--- a/Apresentação slide/Prog II projeto final.pptx
+++ b/Apresentação slide/Prog II projeto final.pptx
@@ -5,7 +5,7 @@
     <p:sldMasterId id="2147483720" r:id="rId1"/>
   </p:sldMasterIdLst>
   <p:notesMasterIdLst>
-    <p:notesMasterId r:id="rId10"/>
+    <p:notesMasterId r:id="rId11"/>
   </p:notesMasterIdLst>
   <p:sldIdLst>
     <p:sldId id="256" r:id="rId2"/>
@@ -16,6 +16,7 @@
     <p:sldId id="261" r:id="rId7"/>
     <p:sldId id="264" r:id="rId8"/>
     <p:sldId id="262" r:id="rId9"/>
+    <p:sldId id="265" r:id="rId10"/>
   </p:sldIdLst>
   <p:sldSz cx="9144000" cy="6858000" type="screen4x3"/>
   <p:notesSz cx="6858000" cy="9144000"/>
@@ -199,6 +200,7 @@
           <a:p>
             <a:fld id="{C30523AC-6108-4781-B078-1C8204B3AEBA}" type="datetimeFigureOut">
               <a:rPr lang="pt-BR" smtClean="0"/>
+              <a:pPr/>
               <a:t>11/12/2014</a:t>
             </a:fld>
             <a:endParaRPr lang="pt-BR"/>
@@ -360,6 +362,7 @@
           <a:p>
             <a:fld id="{385D5EBF-3A99-4911-86D7-67D5343F4E25}" type="slidenum">
               <a:rPr lang="pt-BR" smtClean="0"/>
+              <a:pPr/>
               <a:t>‹nº›</a:t>
             </a:fld>
             <a:endParaRPr lang="pt-BR"/>
@@ -770,6 +773,7 @@
           <a:p>
             <a:fld id="{2F0DA929-1699-4107-B7EF-9B850405921D}" type="datetimeFigureOut">
               <a:rPr lang="pt-BR" smtClean="0"/>
+              <a:pPr/>
               <a:t>11/12/2014</a:t>
             </a:fld>
             <a:endParaRPr lang="pt-BR"/>
@@ -816,6 +820,7 @@
           <a:p>
             <a:fld id="{FB461358-6FFE-409F-B37D-9BCB365FF1C5}" type="slidenum">
               <a:rPr lang="pt-BR" smtClean="0"/>
+              <a:pPr/>
               <a:t>‹nº›</a:t>
             </a:fld>
             <a:endParaRPr lang="pt-BR"/>
@@ -955,6 +960,7 @@
           <a:p>
             <a:fld id="{2F0DA929-1699-4107-B7EF-9B850405921D}" type="datetimeFigureOut">
               <a:rPr lang="pt-BR" smtClean="0"/>
+              <a:pPr/>
               <a:t>11/12/2014</a:t>
             </a:fld>
             <a:endParaRPr lang="pt-BR"/>
@@ -1001,6 +1007,7 @@
           <a:p>
             <a:fld id="{FB461358-6FFE-409F-B37D-9BCB365FF1C5}" type="slidenum">
               <a:rPr lang="pt-BR" smtClean="0"/>
+              <a:pPr/>
               <a:t>‹nº›</a:t>
             </a:fld>
             <a:endParaRPr lang="pt-BR"/>
@@ -1140,6 +1147,7 @@
           <a:p>
             <a:fld id="{2F0DA929-1699-4107-B7EF-9B850405921D}" type="datetimeFigureOut">
               <a:rPr lang="pt-BR" smtClean="0"/>
+              <a:pPr/>
               <a:t>11/12/2014</a:t>
             </a:fld>
             <a:endParaRPr lang="pt-BR"/>
@@ -1186,6 +1194,7 @@
           <a:p>
             <a:fld id="{FB461358-6FFE-409F-B37D-9BCB365FF1C5}" type="slidenum">
               <a:rPr lang="pt-BR" smtClean="0"/>
+              <a:pPr/>
               <a:t>‹nº›</a:t>
             </a:fld>
             <a:endParaRPr lang="pt-BR"/>
@@ -1325,6 +1334,7 @@
           <a:p>
             <a:fld id="{2F0DA929-1699-4107-B7EF-9B850405921D}" type="datetimeFigureOut">
               <a:rPr lang="pt-BR" smtClean="0"/>
+              <a:pPr/>
               <a:t>11/12/2014</a:t>
             </a:fld>
             <a:endParaRPr lang="pt-BR"/>
@@ -1371,6 +1381,7 @@
           <a:p>
             <a:fld id="{FB461358-6FFE-409F-B37D-9BCB365FF1C5}" type="slidenum">
               <a:rPr lang="pt-BR" smtClean="0"/>
+              <a:pPr/>
               <a:t>‹nº›</a:t>
             </a:fld>
             <a:endParaRPr lang="pt-BR"/>
@@ -1706,6 +1717,7 @@
           <a:p>
             <a:fld id="{2F0DA929-1699-4107-B7EF-9B850405921D}" type="datetimeFigureOut">
               <a:rPr lang="pt-BR" smtClean="0"/>
+              <a:pPr/>
               <a:t>11/12/2014</a:t>
             </a:fld>
             <a:endParaRPr lang="pt-BR"/>
@@ -1752,6 +1764,7 @@
           <a:p>
             <a:fld id="{FB461358-6FFE-409F-B37D-9BCB365FF1C5}" type="slidenum">
               <a:rPr lang="pt-BR" smtClean="0"/>
+              <a:pPr/>
               <a:t>‹nº›</a:t>
             </a:fld>
             <a:endParaRPr lang="pt-BR"/>
@@ -1975,6 +1988,7 @@
           <a:p>
             <a:fld id="{2F0DA929-1699-4107-B7EF-9B850405921D}" type="datetimeFigureOut">
               <a:rPr lang="pt-BR" smtClean="0"/>
+              <a:pPr/>
               <a:t>11/12/2014</a:t>
             </a:fld>
             <a:endParaRPr lang="pt-BR"/>
@@ -2021,6 +2035,7 @@
           <a:p>
             <a:fld id="{FB461358-6FFE-409F-B37D-9BCB365FF1C5}" type="slidenum">
               <a:rPr lang="pt-BR" smtClean="0"/>
+              <a:pPr/>
               <a:t>‹nº›</a:t>
             </a:fld>
             <a:endParaRPr lang="pt-BR"/>
@@ -2360,6 +2375,7 @@
           <a:p>
             <a:fld id="{2F0DA929-1699-4107-B7EF-9B850405921D}" type="datetimeFigureOut">
               <a:rPr lang="pt-BR" smtClean="0"/>
+              <a:pPr/>
               <a:t>11/12/2014</a:t>
             </a:fld>
             <a:endParaRPr lang="pt-BR"/>
@@ -2406,6 +2422,7 @@
           <a:p>
             <a:fld id="{FB461358-6FFE-409F-B37D-9BCB365FF1C5}" type="slidenum">
               <a:rPr lang="pt-BR" smtClean="0"/>
+              <a:pPr/>
               <a:t>‹nº›</a:t>
             </a:fld>
             <a:endParaRPr lang="pt-BR"/>
@@ -2481,6 +2498,7 @@
           <a:p>
             <a:fld id="{2F0DA929-1699-4107-B7EF-9B850405921D}" type="datetimeFigureOut">
               <a:rPr lang="pt-BR" smtClean="0"/>
+              <a:pPr/>
               <a:t>11/12/2014</a:t>
             </a:fld>
             <a:endParaRPr lang="pt-BR"/>
@@ -2527,6 +2545,7 @@
           <a:p>
             <a:fld id="{FB461358-6FFE-409F-B37D-9BCB365FF1C5}" type="slidenum">
               <a:rPr lang="pt-BR" smtClean="0"/>
+              <a:pPr/>
               <a:t>‹nº›</a:t>
             </a:fld>
             <a:endParaRPr lang="pt-BR"/>
@@ -2661,6 +2680,7 @@
           <a:p>
             <a:fld id="{2F0DA929-1699-4107-B7EF-9B850405921D}" type="datetimeFigureOut">
               <a:rPr lang="pt-BR" smtClean="0"/>
+              <a:pPr/>
               <a:t>11/12/2014</a:t>
             </a:fld>
             <a:endParaRPr lang="pt-BR"/>
@@ -2707,6 +2727,7 @@
           <a:p>
             <a:fld id="{FB461358-6FFE-409F-B37D-9BCB365FF1C5}" type="slidenum">
               <a:rPr lang="pt-BR" smtClean="0"/>
+              <a:pPr/>
               <a:t>‹nº›</a:t>
             </a:fld>
             <a:endParaRPr lang="pt-BR"/>
@@ -2995,6 +3016,7 @@
           <a:p>
             <a:fld id="{2F0DA929-1699-4107-B7EF-9B850405921D}" type="datetimeFigureOut">
               <a:rPr lang="pt-BR" smtClean="0"/>
+              <a:pPr/>
               <a:t>11/12/2014</a:t>
             </a:fld>
             <a:endParaRPr lang="pt-BR"/>
@@ -3041,6 +3063,7 @@
           <a:p>
             <a:fld id="{FB461358-6FFE-409F-B37D-9BCB365FF1C5}" type="slidenum">
               <a:rPr lang="pt-BR" smtClean="0"/>
+              <a:pPr/>
               <a:t>‹nº›</a:t>
             </a:fld>
             <a:endParaRPr lang="pt-BR"/>
@@ -3364,6 +3387,7 @@
           <a:p>
             <a:fld id="{2F0DA929-1699-4107-B7EF-9B850405921D}" type="datetimeFigureOut">
               <a:rPr lang="pt-BR" smtClean="0"/>
+              <a:pPr/>
               <a:t>11/12/2014</a:t>
             </a:fld>
             <a:endParaRPr lang="pt-BR"/>
@@ -3410,6 +3434,7 @@
           <a:p>
             <a:fld id="{FB461358-6FFE-409F-B37D-9BCB365FF1C5}" type="slidenum">
               <a:rPr lang="pt-BR" smtClean="0"/>
+              <a:pPr/>
               <a:t>‹nº›</a:t>
             </a:fld>
             <a:endParaRPr lang="pt-BR"/>
@@ -3787,6 +3812,7 @@
           <a:p>
             <a:fld id="{2F0DA929-1699-4107-B7EF-9B850405921D}" type="datetimeFigureOut">
               <a:rPr lang="pt-BR" smtClean="0"/>
+              <a:pPr/>
               <a:t>11/12/2014</a:t>
             </a:fld>
             <a:endParaRPr lang="pt-BR"/>
@@ -3867,6 +3893,7 @@
           <a:p>
             <a:fld id="{FB461358-6FFE-409F-B37D-9BCB365FF1C5}" type="slidenum">
               <a:rPr lang="pt-BR" smtClean="0"/>
+              <a:pPr/>
               <a:t>‹nº›</a:t>
             </a:fld>
             <a:endParaRPr lang="pt-BR"/>
@@ -4798,11 +4825,7 @@
           <a:p>
             <a:r>
               <a:rPr lang="pt-BR" dirty="0" smtClean="0"/>
-              <a:t>Diagrama de Classes </a:t>
-            </a:r>
-            <a:r>
-              <a:rPr lang="pt-BR" dirty="0" smtClean="0"/>
-              <a:t>(ver. Final)</a:t>
+              <a:t>Diagrama de Classes (ver. Final)</a:t>
             </a:r>
             <a:endParaRPr lang="pt-BR" dirty="0"/>
           </a:p>
@@ -4990,7 +5013,7 @@
         </p:blipFill>
         <p:spPr>
           <a:xfrm>
-            <a:off x="428596" y="1186228"/>
+            <a:off x="714348" y="2357430"/>
             <a:ext cx="8142319" cy="1452352"/>
           </a:xfrm>
         </p:spPr>
@@ -5003,7 +5026,7 @@
         </p:nvSpPr>
         <p:spPr>
           <a:xfrm>
-            <a:off x="428596" y="2928934"/>
+            <a:off x="285720" y="4214818"/>
             <a:ext cx="8001056" cy="369332"/>
           </a:xfrm>
           <a:prstGeom prst="rect">
@@ -5106,7 +5129,7 @@
         </p:blipFill>
         <p:spPr>
           <a:xfrm>
-            <a:off x="428596" y="428605"/>
+            <a:off x="1643042" y="1214422"/>
             <a:ext cx="5729488" cy="3071834"/>
           </a:xfrm>
         </p:spPr>
@@ -5116,6 +5139,13 @@
   <p:clrMapOvr>
     <a:masterClrMapping/>
   </p:clrMapOvr>
+  <p:timing>
+    <p:tnLst>
+      <p:par>
+        <p:cTn id="1" dur="indefinite" restart="never" nodeType="tmRoot"/>
+      </p:par>
+    </p:tnLst>
+  </p:timing>
 </p:sld>
 </file>
 
@@ -5190,16 +5220,156 @@
               <a:t>Ex: Sem o equipamento, as string acabam por ser </a:t>
             </a:r>
             <a:r>
+              <a:rPr lang="pt-BR" dirty="0" smtClean="0"/>
+              <a:t>representadas </a:t>
+            </a:r>
+            <a:r>
+              <a:rPr lang="pt-BR" dirty="0" smtClean="0"/>
+              <a:t>como </a:t>
+            </a:r>
+            <a:r>
+              <a:rPr lang="pt-BR" dirty="0" smtClean="0"/>
+              <a:t>strings. </a:t>
+            </a:r>
+            <a:r>
+              <a:rPr lang="pt-BR" dirty="0" smtClean="0"/>
+              <a:t>Ex:</a:t>
+            </a:r>
+          </a:p>
+          <a:p>
+            <a:r>
+              <a:rPr lang="pt-BR" dirty="0" smtClean="0"/>
+              <a:t>O tipo trovão será um atributo string com “</a:t>
+            </a:r>
+            <a:r>
               <a:rPr lang="pt-BR" dirty="0" err="1" smtClean="0"/>
-              <a:t>repsentadas</a:t>
+              <a:t>Trovao</a:t>
             </a:r>
             <a:r>
               <a:rPr lang="pt-BR" dirty="0" smtClean="0"/>
-              <a:t> como </a:t>
-            </a:r>
-            <a:r>
-              <a:rPr lang="pt-BR" smtClean="0"/>
-              <a:t>mves</a:t>
+              <a:t>” no nome.</a:t>
+            </a:r>
+            <a:endParaRPr lang="pt-BR" dirty="0"/>
+          </a:p>
+        </p:txBody>
+      </p:sp>
+    </p:spTree>
+  </p:cSld>
+  <p:clrMapOvr>
+    <a:masterClrMapping/>
+  </p:clrMapOvr>
+  <p:timing>
+    <p:tnLst>
+      <p:par>
+        <p:cTn id="1" dur="indefinite" restart="never" nodeType="tmRoot"/>
+      </p:par>
+    </p:tnLst>
+  </p:timing>
+</p:sld>
+</file>
+
+<file path=ppt/slides/slide9.xml><?xml version="1.0" encoding="utf-8"?>
+<p:sld xmlns:a="http://schemas.openxmlformats.org/drawingml/2006/main" xmlns:r="http://schemas.openxmlformats.org/officeDocument/2006/relationships" xmlns:p="http://schemas.openxmlformats.org/presentationml/2006/main">
+  <p:cSld>
+    <p:spTree>
+      <p:nvGrpSpPr>
+        <p:cNvPr id="1" name=""/>
+        <p:cNvGrpSpPr/>
+        <p:nvPr/>
+      </p:nvGrpSpPr>
+      <p:grpSpPr>
+        <a:xfrm>
+          <a:off x="0" y="0"/>
+          <a:ext cx="0" cy="0"/>
+          <a:chOff x="0" y="0"/>
+          <a:chExt cx="0" cy="0"/>
+        </a:xfrm>
+      </p:grpSpPr>
+      <p:sp>
+        <p:nvSpPr>
+          <p:cNvPr id="2" name="Título 1"/>
+          <p:cNvSpPr>
+            <a:spLocks noGrp="1"/>
+          </p:cNvSpPr>
+          <p:nvPr>
+            <p:ph type="title"/>
+          </p:nvPr>
+        </p:nvSpPr>
+        <p:spPr/>
+        <p:txBody>
+          <a:bodyPr/>
+          <a:lstStyle/>
+          <a:p>
+            <a:r>
+              <a:rPr lang="pt-BR" dirty="0" smtClean="0"/>
+              <a:t>Pacote Utilitários</a:t>
+            </a:r>
+            <a:endParaRPr lang="pt-BR" dirty="0"/>
+          </a:p>
+        </p:txBody>
+      </p:sp>
+      <p:pic>
+        <p:nvPicPr>
+          <p:cNvPr id="4" name="Espaço Reservado para Conteúdo 3" descr="04.PNG"/>
+          <p:cNvPicPr>
+            <a:picLocks noGrp="1" noChangeAspect="1"/>
+          </p:cNvPicPr>
+          <p:nvPr>
+            <p:ph idx="1"/>
+          </p:nvPr>
+        </p:nvPicPr>
+        <p:blipFill>
+          <a:blip r:embed="rId2"/>
+          <a:stretch>
+            <a:fillRect/>
+          </a:stretch>
+        </p:blipFill>
+        <p:spPr>
+          <a:xfrm>
+            <a:off x="2786050" y="714356"/>
+            <a:ext cx="2928958" cy="2359438"/>
+          </a:xfrm>
+        </p:spPr>
+      </p:pic>
+      <p:sp>
+        <p:nvSpPr>
+          <p:cNvPr id="5" name="CaixaDeTexto 4"/>
+          <p:cNvSpPr txBox="1"/>
+          <p:nvPr/>
+        </p:nvSpPr>
+        <p:spPr>
+          <a:xfrm>
+            <a:off x="1071538" y="3429000"/>
+            <a:ext cx="6912790" cy="646331"/>
+          </a:xfrm>
+          <a:prstGeom prst="rect">
+            <a:avLst/>
+          </a:prstGeom>
+          <a:noFill/>
+        </p:spPr>
+        <p:txBody>
+          <a:bodyPr wrap="none" rtlCol="0">
+            <a:spAutoFit/>
+          </a:bodyPr>
+          <a:lstStyle/>
+          <a:p>
+            <a:r>
+              <a:rPr lang="pt-BR" dirty="0" smtClean="0"/>
+              <a:t>Classe </a:t>
+            </a:r>
+            <a:r>
+              <a:rPr lang="pt-BR" dirty="0" err="1" smtClean="0"/>
+              <a:t>Includer</a:t>
+            </a:r>
+            <a:r>
+              <a:rPr lang="pt-BR" dirty="0" smtClean="0"/>
+              <a:t>: Responsável por adicionar as bibliotecas </a:t>
+            </a:r>
+          </a:p>
+          <a:p>
+            <a:r>
+              <a:rPr lang="pt-BR" smtClean="0"/>
+              <a:t>de outras classes </a:t>
             </a:r>
             <a:endParaRPr lang="pt-BR" dirty="0"/>
           </a:p>

--- a/Apresentação slide/Prog II projeto final.pptx
+++ b/Apresentação slide/Prog II projeto final.pptx
@@ -5,18 +5,20 @@
     <p:sldMasterId id="2147483720" r:id="rId1"/>
   </p:sldMasterIdLst>
   <p:notesMasterIdLst>
-    <p:notesMasterId r:id="rId11"/>
+    <p:notesMasterId r:id="rId13"/>
   </p:notesMasterIdLst>
   <p:sldIdLst>
     <p:sldId id="256" r:id="rId2"/>
     <p:sldId id="257" r:id="rId3"/>
-    <p:sldId id="258" r:id="rId4"/>
-    <p:sldId id="260" r:id="rId5"/>
-    <p:sldId id="263" r:id="rId6"/>
-    <p:sldId id="261" r:id="rId7"/>
-    <p:sldId id="264" r:id="rId8"/>
-    <p:sldId id="262" r:id="rId9"/>
-    <p:sldId id="265" r:id="rId10"/>
+    <p:sldId id="266" r:id="rId4"/>
+    <p:sldId id="267" r:id="rId5"/>
+    <p:sldId id="258" r:id="rId6"/>
+    <p:sldId id="268" r:id="rId7"/>
+    <p:sldId id="269" r:id="rId8"/>
+    <p:sldId id="273" r:id="rId9"/>
+    <p:sldId id="271" r:id="rId10"/>
+    <p:sldId id="274" r:id="rId11"/>
+    <p:sldId id="260" r:id="rId12"/>
   </p:sldIdLst>
   <p:sldSz cx="9144000" cy="6858000" type="screen4x3"/>
   <p:notesSz cx="6858000" cy="9144000"/>
@@ -115,6 +117,22 @@
       </a:defRPr>
     </a:lvl9pPr>
   </p:defaultTextStyle>
+  <p:extLst>
+    <p:ext uri="{EFAFB233-063F-42B5-8137-9DF3F51BA10A}">
+      <p15:sldGuideLst xmlns:p15="http://schemas.microsoft.com/office/powerpoint/2012/main">
+        <p15:guide id="1" orient="horz" pos="2160">
+          <p15:clr>
+            <a:srgbClr val="A4A3A4"/>
+          </p15:clr>
+        </p15:guide>
+        <p15:guide id="2" pos="2880">
+          <p15:clr>
+            <a:srgbClr val="A4A3A4"/>
+          </p15:clr>
+        </p15:guide>
+      </p15:sldGuideLst>
+    </p:ext>
+  </p:extLst>
 </p:presentation>
 </file>
 
@@ -370,6 +388,11 @@
         </p:txBody>
       </p:sp>
     </p:spTree>
+    <p:extLst>
+      <p:ext uri="{BB962C8B-B14F-4D97-AF65-F5344CB8AC3E}">
+        <p14:creationId xmlns:p14="http://schemas.microsoft.com/office/powerpoint/2010/main" val="2978149697"/>
+      </p:ext>
+    </p:extLst>
   </p:cSld>
   <p:clrMap bg1="lt1" tx1="dk1" bg2="lt2" tx2="dk2" accent1="accent1" accent2="accent2" accent3="accent3" accent4="accent4" accent5="accent5" accent6="accent6" hlink="hlink" folHlink="folHlink"/>
   <p:notesStyle>
@@ -4622,6 +4645,249 @@
 </p:sld>
 </file>
 
+<file path=ppt/slides/slide10.xml><?xml version="1.0" encoding="utf-8"?>
+<p:sld xmlns:a="http://schemas.openxmlformats.org/drawingml/2006/main" xmlns:r="http://schemas.openxmlformats.org/officeDocument/2006/relationships" xmlns:p="http://schemas.openxmlformats.org/presentationml/2006/main">
+  <p:cSld>
+    <p:spTree>
+      <p:nvGrpSpPr>
+        <p:cNvPr id="1" name=""/>
+        <p:cNvGrpSpPr/>
+        <p:nvPr/>
+      </p:nvGrpSpPr>
+      <p:grpSpPr>
+        <a:xfrm>
+          <a:off x="0" y="0"/>
+          <a:ext cx="0" cy="0"/>
+          <a:chOff x="0" y="0"/>
+          <a:chExt cx="0" cy="0"/>
+        </a:xfrm>
+      </p:grpSpPr>
+      <p:sp>
+        <p:nvSpPr>
+          <p:cNvPr id="2" name="Título 1"/>
+          <p:cNvSpPr>
+            <a:spLocks noGrp="1"/>
+          </p:cNvSpPr>
+          <p:nvPr>
+            <p:ph type="title"/>
+          </p:nvPr>
+        </p:nvSpPr>
+        <p:spPr/>
+        <p:txBody>
+          <a:bodyPr/>
+          <a:lstStyle/>
+          <a:p>
+            <a:r>
+              <a:rPr lang="pt-BR" dirty="0"/>
+              <a:t>Classes (ver. Final)</a:t>
+            </a:r>
+          </a:p>
+        </p:txBody>
+      </p:sp>
+      <p:pic>
+        <p:nvPicPr>
+          <p:cNvPr id="4" name="Espaço Reservado para Conteúdo 3"/>
+          <p:cNvPicPr>
+            <a:picLocks noGrp="1" noChangeAspect="1"/>
+          </p:cNvPicPr>
+          <p:nvPr>
+            <p:ph idx="1"/>
+          </p:nvPr>
+        </p:nvPicPr>
+        <p:blipFill>
+          <a:blip r:embed="rId2">
+            <a:extLst>
+              <a:ext uri="{28A0092B-C50C-407E-A947-70E740481C1C}">
+                <a14:useLocalDpi xmlns:a14="http://schemas.microsoft.com/office/drawing/2010/main" val="0"/>
+              </a:ext>
+            </a:extLst>
+          </a:blip>
+          <a:stretch>
+            <a:fillRect/>
+          </a:stretch>
+        </p:blipFill>
+        <p:spPr>
+          <a:xfrm>
+            <a:off x="2339752" y="692696"/>
+            <a:ext cx="4104456" cy="3070800"/>
+          </a:xfrm>
+        </p:spPr>
+      </p:pic>
+      <p:sp>
+        <p:nvSpPr>
+          <p:cNvPr id="5" name="CaixaDeTexto 4"/>
+          <p:cNvSpPr txBox="1"/>
+          <p:nvPr/>
+        </p:nvSpPr>
+        <p:spPr>
+          <a:xfrm>
+            <a:off x="701807" y="3933056"/>
+            <a:ext cx="7786106" cy="707886"/>
+          </a:xfrm>
+          <a:prstGeom prst="rect">
+            <a:avLst/>
+          </a:prstGeom>
+          <a:noFill/>
+        </p:spPr>
+        <p:txBody>
+          <a:bodyPr wrap="none" rtlCol="0">
+            <a:spAutoFit/>
+          </a:bodyPr>
+          <a:lstStyle/>
+          <a:p>
+            <a:endParaRPr lang="pt-BR" sz="1000" dirty="0"/>
+          </a:p>
+          <a:p>
+            <a:r>
+              <a:rPr lang="pt-BR" sz="1000" dirty="0"/>
+              <a:t>Grupo: Conjunto de Heróis (chamada de Equipe no projeto, mas também conhecida como </a:t>
+            </a:r>
+            <a:r>
+              <a:rPr lang="pt-BR" sz="1000" i="1" dirty="0" err="1"/>
+              <a:t>party</a:t>
+            </a:r>
+            <a:r>
+              <a:rPr lang="pt-BR" sz="1000" dirty="0"/>
+              <a:t> em alguns </a:t>
+            </a:r>
+            <a:r>
+              <a:rPr lang="pt-BR" sz="1000" dirty="0" err="1"/>
+              <a:t>Rpgs</a:t>
+            </a:r>
+            <a:r>
+              <a:rPr lang="pt-BR" sz="1000" dirty="0" smtClean="0"/>
+              <a:t>)</a:t>
+            </a:r>
+          </a:p>
+          <a:p>
+            <a:r>
+              <a:rPr lang="pt-BR" sz="1000" dirty="0" smtClean="0"/>
+              <a:t>e </a:t>
+            </a:r>
+            <a:r>
+              <a:rPr lang="pt-BR" sz="1000" dirty="0"/>
+              <a:t>itens (Inventário) controlado pelo jogador</a:t>
+            </a:r>
+            <a:r>
+              <a:rPr lang="pt-BR" sz="1000" dirty="0" smtClean="0"/>
+              <a:t>. Este Grupo também possui um inteiro para armazenar a quantidade de </a:t>
+            </a:r>
+          </a:p>
+          <a:p>
+            <a:r>
+              <a:rPr lang="pt-BR" sz="1000" dirty="0" smtClean="0"/>
+              <a:t>Dinheiro da equipe.</a:t>
+            </a:r>
+            <a:endParaRPr lang="pt-BR" sz="1000" dirty="0"/>
+          </a:p>
+        </p:txBody>
+      </p:sp>
+    </p:spTree>
+    <p:extLst>
+      <p:ext uri="{BB962C8B-B14F-4D97-AF65-F5344CB8AC3E}">
+        <p14:creationId xmlns:p14="http://schemas.microsoft.com/office/powerpoint/2010/main" val="2004411387"/>
+      </p:ext>
+    </p:extLst>
+  </p:cSld>
+  <p:clrMapOvr>
+    <a:masterClrMapping/>
+  </p:clrMapOvr>
+  <p:timing>
+    <p:tnLst>
+      <p:par>
+        <p:cTn id="1" dur="indefinite" restart="never" nodeType="tmRoot"/>
+      </p:par>
+    </p:tnLst>
+  </p:timing>
+</p:sld>
+</file>
+
+<file path=ppt/slides/slide11.xml><?xml version="1.0" encoding="utf-8"?>
+<p:sld xmlns:a="http://schemas.openxmlformats.org/drawingml/2006/main" xmlns:r="http://schemas.openxmlformats.org/officeDocument/2006/relationships" xmlns:p="http://schemas.openxmlformats.org/presentationml/2006/main">
+  <p:cSld>
+    <p:spTree>
+      <p:nvGrpSpPr>
+        <p:cNvPr id="1" name=""/>
+        <p:cNvGrpSpPr/>
+        <p:nvPr/>
+      </p:nvGrpSpPr>
+      <p:grpSpPr>
+        <a:xfrm>
+          <a:off x="0" y="0"/>
+          <a:ext cx="0" cy="0"/>
+          <a:chOff x="0" y="0"/>
+          <a:chExt cx="0" cy="0"/>
+        </a:xfrm>
+      </p:grpSpPr>
+      <p:sp>
+        <p:nvSpPr>
+          <p:cNvPr id="2" name="Título 1"/>
+          <p:cNvSpPr>
+            <a:spLocks noGrp="1"/>
+          </p:cNvSpPr>
+          <p:nvPr>
+            <p:ph type="title"/>
+          </p:nvPr>
+        </p:nvSpPr>
+        <p:spPr/>
+        <p:txBody>
+          <a:bodyPr>
+            <a:normAutofit fontScale="90000"/>
+          </a:bodyPr>
+          <a:lstStyle/>
+          <a:p>
+            <a:r>
+              <a:rPr lang="pt-BR" dirty="0" smtClean="0"/>
+              <a:t>Diagrama de Classes (ver. Final)</a:t>
+            </a:r>
+            <a:endParaRPr lang="pt-BR" dirty="0"/>
+          </a:p>
+        </p:txBody>
+      </p:sp>
+      <p:pic>
+        <p:nvPicPr>
+          <p:cNvPr id="9" name="Espaço Reservado para Conteúdo 8"/>
+          <p:cNvPicPr>
+            <a:picLocks noGrp="1" noChangeAspect="1"/>
+          </p:cNvPicPr>
+          <p:nvPr>
+            <p:ph idx="1"/>
+          </p:nvPr>
+        </p:nvPicPr>
+        <p:blipFill>
+          <a:blip r:embed="rId2" cstate="print">
+            <a:extLst>
+              <a:ext uri="{28A0092B-C50C-407E-A947-70E740481C1C}">
+                <a14:useLocalDpi xmlns:a14="http://schemas.microsoft.com/office/drawing/2010/main" val="0"/>
+              </a:ext>
+            </a:extLst>
+          </a:blip>
+          <a:stretch>
+            <a:fillRect/>
+          </a:stretch>
+        </p:blipFill>
+        <p:spPr>
+          <a:xfrm>
+            <a:off x="538688" y="795655"/>
+            <a:ext cx="8112343" cy="4187825"/>
+          </a:xfrm>
+        </p:spPr>
+      </p:pic>
+    </p:spTree>
+  </p:cSld>
+  <p:clrMapOvr>
+    <a:masterClrMapping/>
+  </p:clrMapOvr>
+  <p:timing>
+    <p:tnLst>
+      <p:par>
+        <p:cTn id="1" dur="indefinite" restart="never" nodeType="tmRoot"/>
+      </p:par>
+    </p:tnLst>
+  </p:timing>
+</p:sld>
+</file>
+
 <file path=ppt/slides/slide2.xml><?xml version="1.0" encoding="utf-8"?>
 <p:sld xmlns:a="http://schemas.openxmlformats.org/drawingml/2006/main" xmlns:r="http://schemas.openxmlformats.org/officeDocument/2006/relationships" xmlns:p="http://schemas.openxmlformats.org/presentationml/2006/main">
   <p:cSld>
@@ -4738,43 +5004,64 @@
         </p:nvSpPr>
         <p:spPr/>
         <p:txBody>
-          <a:bodyPr>
-            <a:normAutofit fontScale="90000"/>
-          </a:bodyPr>
+          <a:bodyPr/>
           <a:lstStyle/>
           <a:p>
             <a:r>
               <a:rPr lang="pt-BR" dirty="0" smtClean="0"/>
-              <a:t>Diagrama de Classes (Pré-projeto)</a:t>
+              <a:t>Classes (pré-projeto)</a:t>
             </a:r>
             <a:endParaRPr lang="pt-BR" dirty="0"/>
           </a:p>
         </p:txBody>
       </p:sp>
-      <p:pic>
-        <p:nvPicPr>
-          <p:cNvPr id="4" name="Espaço Reservado para Conteúdo 3" descr="RPG_S.png"/>
-          <p:cNvPicPr>
-            <a:picLocks noGrp="1" noChangeAspect="1"/>
-          </p:cNvPicPr>
+      <p:sp>
+        <p:nvSpPr>
+          <p:cNvPr id="3" name="Espaço Reservado para Conteúdo 2"/>
+          <p:cNvSpPr>
+            <a:spLocks noGrp="1"/>
+          </p:cNvSpPr>
           <p:nvPr>
             <p:ph idx="1"/>
           </p:nvPr>
-        </p:nvPicPr>
-        <p:blipFill>
-          <a:blip r:embed="rId2" cstate="print"/>
-          <a:stretch>
-            <a:fillRect/>
-          </a:stretch>
-        </p:blipFill>
-        <p:spPr>
-          <a:xfrm>
-            <a:off x="503238" y="1176708"/>
-            <a:ext cx="8183562" cy="2894858"/>
-          </a:xfrm>
-        </p:spPr>
-      </p:pic>
+        </p:nvSpPr>
+        <p:spPr/>
+        <p:txBody>
+          <a:bodyPr/>
+          <a:lstStyle/>
+          <a:p>
+            <a:endParaRPr lang="pt-BR" dirty="0" smtClean="0"/>
+          </a:p>
+          <a:p>
+            <a:endParaRPr lang="pt-BR" dirty="0"/>
+          </a:p>
+          <a:p>
+            <a:r>
+              <a:rPr lang="pt-BR" dirty="0" smtClean="0"/>
+              <a:t>17  Classes (10 abstratas e 7 concretas)</a:t>
+            </a:r>
+          </a:p>
+          <a:p>
+            <a:endParaRPr lang="pt-BR" dirty="0" smtClean="0"/>
+          </a:p>
+          <a:p>
+            <a:endParaRPr lang="pt-BR" dirty="0"/>
+          </a:p>
+          <a:p>
+            <a:r>
+              <a:rPr lang="pt-BR" dirty="0" smtClean="0"/>
+              <a:t>5 Hierarquias (Herói, Monstro, Item, Elemento, Magia)</a:t>
+            </a:r>
+            <a:endParaRPr lang="pt-BR" dirty="0"/>
+          </a:p>
+        </p:txBody>
+      </p:sp>
     </p:spTree>
+    <p:extLst>
+      <p:ext uri="{BB962C8B-B14F-4D97-AF65-F5344CB8AC3E}">
+        <p14:creationId xmlns:p14="http://schemas.microsoft.com/office/powerpoint/2010/main" val="1726736153"/>
+      </p:ext>
+    </p:extLst>
   </p:cSld>
   <p:clrMapOvr>
     <a:masterClrMapping/>
@@ -4818,43 +5105,205 @@
         </p:nvSpPr>
         <p:spPr/>
         <p:txBody>
+          <a:bodyPr/>
+          <a:lstStyle/>
+          <a:p>
+            <a:r>
+              <a:rPr lang="pt-BR" dirty="0"/>
+              <a:t>Classes (pré-projeto)</a:t>
+            </a:r>
+          </a:p>
+        </p:txBody>
+      </p:sp>
+      <p:sp>
+        <p:nvSpPr>
+          <p:cNvPr id="3" name="Espaço Reservado para Conteúdo 2"/>
+          <p:cNvSpPr>
+            <a:spLocks noGrp="1"/>
+          </p:cNvSpPr>
+          <p:nvPr>
+            <p:ph sz="half" idx="1"/>
+          </p:nvPr>
+        </p:nvSpPr>
+        <p:spPr/>
+        <p:txBody>
           <a:bodyPr>
-            <a:normAutofit fontScale="90000"/>
+            <a:normAutofit fontScale="92500" lnSpcReduction="20000"/>
           </a:bodyPr>
           <a:lstStyle/>
           <a:p>
             <a:r>
               <a:rPr lang="pt-BR" dirty="0" smtClean="0"/>
-              <a:t>Diagrama de Classes (ver. Final)</a:t>
-            </a:r>
+              <a:t>Atributos</a:t>
+            </a:r>
+          </a:p>
+          <a:p>
+            <a:r>
+              <a:rPr lang="pt-BR" dirty="0" err="1" smtClean="0"/>
+              <a:t>Heroi</a:t>
+            </a:r>
+            <a:endParaRPr lang="pt-BR" dirty="0" smtClean="0"/>
+          </a:p>
+          <a:p>
+            <a:r>
+              <a:rPr lang="pt-BR" dirty="0" smtClean="0"/>
+              <a:t>Monstro</a:t>
+            </a:r>
+          </a:p>
+          <a:p>
+            <a:r>
+              <a:rPr lang="pt-BR" dirty="0" smtClean="0"/>
+              <a:t>Item</a:t>
+            </a:r>
+          </a:p>
+          <a:p>
+            <a:r>
+              <a:rPr lang="pt-BR" dirty="0" smtClean="0"/>
+              <a:t>Equipamento</a:t>
+            </a:r>
+          </a:p>
+          <a:p>
+            <a:r>
+              <a:rPr lang="pt-BR" dirty="0" smtClean="0"/>
+              <a:t>Arma</a:t>
+            </a:r>
+          </a:p>
+          <a:p>
+            <a:r>
+              <a:rPr lang="pt-BR" dirty="0" smtClean="0"/>
+              <a:t>Armadura</a:t>
+            </a:r>
+          </a:p>
+          <a:p>
+            <a:r>
+              <a:rPr lang="pt-BR" dirty="0" err="1" smtClean="0"/>
+              <a:t>Acessorio</a:t>
+            </a:r>
+            <a:endParaRPr lang="pt-BR" dirty="0" smtClean="0"/>
+          </a:p>
+          <a:p>
+            <a:r>
+              <a:rPr lang="pt-BR" dirty="0" smtClean="0"/>
+              <a:t>Magia</a:t>
+            </a:r>
+          </a:p>
+          <a:p>
+            <a:r>
+              <a:rPr lang="pt-BR" dirty="0" smtClean="0"/>
+              <a:t>Elemento</a:t>
+            </a:r>
+          </a:p>
+          <a:p>
+            <a:endParaRPr lang="pt-BR" dirty="0" smtClean="0"/>
+          </a:p>
+          <a:p>
+            <a:pPr algn="ctr"/>
+            <a:r>
+              <a:rPr lang="pt-BR" dirty="0" smtClean="0">
+                <a:solidFill>
+                  <a:schemeClr val="accent1">
+                    <a:lumMod val="75000"/>
+                  </a:schemeClr>
+                </a:solidFill>
+              </a:rPr>
+              <a:t>Abstratas</a:t>
+            </a:r>
+            <a:endParaRPr lang="pt-BR" dirty="0">
+              <a:solidFill>
+                <a:schemeClr val="accent1">
+                  <a:lumMod val="75000"/>
+                </a:schemeClr>
+              </a:solidFill>
+            </a:endParaRPr>
+          </a:p>
+        </p:txBody>
+      </p:sp>
+      <p:sp>
+        <p:nvSpPr>
+          <p:cNvPr id="4" name="Espaço Reservado para Conteúdo 3"/>
+          <p:cNvSpPr>
+            <a:spLocks noGrp="1"/>
+          </p:cNvSpPr>
+          <p:nvPr>
+            <p:ph sz="half" idx="2"/>
+          </p:nvPr>
+        </p:nvSpPr>
+        <p:spPr/>
+        <p:txBody>
+          <a:bodyPr>
+            <a:normAutofit fontScale="92500" lnSpcReduction="20000"/>
+          </a:bodyPr>
+          <a:lstStyle/>
+          <a:p>
+            <a:r>
+              <a:rPr lang="pt-BR" dirty="0" smtClean="0"/>
+              <a:t>Mago</a:t>
+            </a:r>
+          </a:p>
+          <a:p>
+            <a:r>
+              <a:rPr lang="pt-BR" dirty="0" smtClean="0"/>
+              <a:t>Ladino</a:t>
+            </a:r>
+          </a:p>
+          <a:p>
+            <a:r>
+              <a:rPr lang="pt-BR" dirty="0" smtClean="0"/>
+              <a:t>Guerreiro</a:t>
+            </a:r>
+          </a:p>
+          <a:p>
+            <a:endParaRPr lang="pt-BR" dirty="0" smtClean="0"/>
+          </a:p>
+          <a:p>
             <a:endParaRPr lang="pt-BR" dirty="0"/>
           </a:p>
-        </p:txBody>
-      </p:sp>
-      <p:pic>
-        <p:nvPicPr>
-          <p:cNvPr id="4" name="Espaço Reservado para Conteúdo 3" descr="RPG.png"/>
-          <p:cNvPicPr>
-            <a:picLocks noGrp="1" noChangeAspect="1"/>
-          </p:cNvPicPr>
-          <p:nvPr>
-            <p:ph idx="1"/>
-          </p:nvPr>
-        </p:nvPicPr>
-        <p:blipFill>
-          <a:blip r:embed="rId2" cstate="print"/>
-          <a:stretch>
-            <a:fillRect/>
-          </a:stretch>
-        </p:blipFill>
-        <p:spPr>
-          <a:xfrm>
-            <a:off x="503238" y="820914"/>
-            <a:ext cx="8183562" cy="3606446"/>
-          </a:xfrm>
-        </p:spPr>
-      </p:pic>
+          <a:p>
+            <a:endParaRPr lang="pt-BR" dirty="0" smtClean="0"/>
+          </a:p>
+          <a:p>
+            <a:endParaRPr lang="pt-BR" dirty="0"/>
+          </a:p>
+          <a:p>
+            <a:endParaRPr lang="pt-BR" dirty="0" smtClean="0"/>
+          </a:p>
+          <a:p>
+            <a:endParaRPr lang="pt-BR" dirty="0"/>
+          </a:p>
+          <a:p>
+            <a:endParaRPr lang="pt-BR" dirty="0" smtClean="0"/>
+          </a:p>
+          <a:p>
+            <a:endParaRPr lang="pt-BR" dirty="0"/>
+          </a:p>
+          <a:p>
+            <a:pPr algn="ctr"/>
+            <a:r>
+              <a:rPr lang="pt-BR" dirty="0" smtClean="0">
+                <a:solidFill>
+                  <a:schemeClr val="accent1">
+                    <a:lumMod val="75000"/>
+                  </a:schemeClr>
+                </a:solidFill>
+              </a:rPr>
+              <a:t>Concretas</a:t>
+            </a:r>
+            <a:endParaRPr lang="pt-BR" dirty="0">
+              <a:solidFill>
+                <a:schemeClr val="accent1">
+                  <a:lumMod val="75000"/>
+                </a:schemeClr>
+              </a:solidFill>
+            </a:endParaRPr>
+          </a:p>
+        </p:txBody>
+      </p:sp>
     </p:spTree>
+    <p:extLst>
+      <p:ext uri="{BB962C8B-B14F-4D97-AF65-F5344CB8AC3E}">
+        <p14:creationId xmlns:p14="http://schemas.microsoft.com/office/powerpoint/2010/main" val="1670048818"/>
+      </p:ext>
+    </p:extLst>
   </p:cSld>
   <p:clrMapOvr>
     <a:masterClrMapping/>
@@ -4898,12 +5347,14 @@
         </p:nvSpPr>
         <p:spPr/>
         <p:txBody>
-          <a:bodyPr/>
+          <a:bodyPr>
+            <a:normAutofit fontScale="90000"/>
+          </a:bodyPr>
           <a:lstStyle/>
           <a:p>
             <a:r>
               <a:rPr lang="pt-BR" dirty="0" smtClean="0"/>
-              <a:t>Classe Magia (pré-projeto)</a:t>
+              <a:t>Diagrama de Classes (Pré-projeto)</a:t>
             </a:r>
             <a:endParaRPr lang="pt-BR" dirty="0"/>
           </a:p>
@@ -4911,7 +5362,7 @@
       </p:sp>
       <p:pic>
         <p:nvPicPr>
-          <p:cNvPr id="6" name="Espaço Reservado para Conteúdo 5" descr="02.PNG"/>
+          <p:cNvPr id="5" name="Espaço Reservado para Conteúdo 4"/>
           <p:cNvPicPr>
             <a:picLocks noGrp="1" noChangeAspect="1"/>
           </p:cNvPicPr>
@@ -4920,15 +5371,21 @@
           </p:nvPr>
         </p:nvPicPr>
         <p:blipFill>
-          <a:blip r:embed="rId2"/>
+          <a:blip r:embed="rId2" cstate="print">
+            <a:extLst>
+              <a:ext uri="{28A0092B-C50C-407E-A947-70E740481C1C}">
+                <a14:useLocalDpi xmlns:a14="http://schemas.microsoft.com/office/drawing/2010/main" val="0"/>
+              </a:ext>
+            </a:extLst>
+          </a:blip>
           <a:stretch>
             <a:fillRect/>
           </a:stretch>
         </p:blipFill>
         <p:spPr>
           <a:xfrm>
-            <a:off x="565381" y="795082"/>
-            <a:ext cx="8059275" cy="3658111"/>
+            <a:off x="503238" y="708145"/>
+            <a:ext cx="8183562" cy="3831985"/>
           </a:xfrm>
         </p:spPr>
       </p:pic>
@@ -4981,82 +5438,83 @@
           <a:p>
             <a:r>
               <a:rPr lang="pt-BR" dirty="0" smtClean="0"/>
-              <a:t>Classe Magia (</a:t>
-            </a:r>
-            <a:r>
-              <a:rPr lang="pt-BR" dirty="0" err="1" smtClean="0"/>
-              <a:t>Proj</a:t>
-            </a:r>
-            <a:r>
-              <a:rPr lang="pt-BR" dirty="0" smtClean="0"/>
-              <a:t>. Final)</a:t>
+              <a:t>Classes (ver. Final)</a:t>
             </a:r>
             <a:endParaRPr lang="pt-BR" dirty="0"/>
           </a:p>
         </p:txBody>
       </p:sp>
-      <p:pic>
-        <p:nvPicPr>
-          <p:cNvPr id="6" name="Espaço Reservado para Conteúdo 5" descr="01.PNG"/>
-          <p:cNvPicPr>
-            <a:picLocks noGrp="1" noChangeAspect="1"/>
-          </p:cNvPicPr>
+      <p:sp>
+        <p:nvSpPr>
+          <p:cNvPr id="3" name="Espaço Reservado para Conteúdo 2"/>
+          <p:cNvSpPr>
+            <a:spLocks noGrp="1"/>
+          </p:cNvSpPr>
           <p:nvPr>
             <p:ph idx="1"/>
           </p:nvPr>
-        </p:nvPicPr>
-        <p:blipFill>
-          <a:blip r:embed="rId2"/>
-          <a:stretch>
-            <a:fillRect/>
-          </a:stretch>
-        </p:blipFill>
-        <p:spPr>
-          <a:xfrm>
-            <a:off x="714348" y="2357430"/>
-            <a:ext cx="8142319" cy="1452352"/>
-          </a:xfrm>
-        </p:spPr>
-      </p:pic>
-      <p:sp>
-        <p:nvSpPr>
-          <p:cNvPr id="8" name="CaixaDeTexto 7"/>
-          <p:cNvSpPr txBox="1"/>
-          <p:nvPr/>
-        </p:nvSpPr>
-        <p:spPr>
-          <a:xfrm>
-            <a:off x="285720" y="4214818"/>
-            <a:ext cx="8001056" cy="369332"/>
-          </a:xfrm>
-          <a:prstGeom prst="rect">
-            <a:avLst/>
-          </a:prstGeom>
-          <a:noFill/>
-        </p:spPr>
-        <p:txBody>
-          <a:bodyPr wrap="square" rtlCol="0">
-            <a:spAutoFit/>
+        </p:nvSpPr>
+        <p:spPr/>
+        <p:txBody>
+          <a:bodyPr>
+            <a:normAutofit lnSpcReduction="10000"/>
           </a:bodyPr>
           <a:lstStyle/>
           <a:p>
+            <a:endParaRPr lang="pt-BR" dirty="0" smtClean="0"/>
+          </a:p>
+          <a:p>
             <a:r>
               <a:rPr lang="pt-BR" dirty="0" smtClean="0"/>
-              <a:t>Adicionado: método </a:t>
+              <a:t>25 Classes (10 abstratas e 15 concretas)</a:t>
+            </a:r>
+          </a:p>
+          <a:p>
+            <a:endParaRPr lang="pt-BR" dirty="0" smtClean="0"/>
+          </a:p>
+          <a:p>
+            <a:endParaRPr lang="pt-BR" dirty="0"/>
+          </a:p>
+          <a:p>
+            <a:r>
+              <a:rPr lang="pt-BR" dirty="0" smtClean="0"/>
+              <a:t>6 Hierarquias (Herói, Monstro, Item, Cidade, </a:t>
             </a:r>
             <a:r>
               <a:rPr lang="pt-BR" dirty="0" err="1" smtClean="0"/>
-              <a:t>virtual_Efeito</a:t>
+              <a:t>Dungeon</a:t>
             </a:r>
             <a:r>
               <a:rPr lang="pt-BR" dirty="0" smtClean="0"/>
-              <a:t>() = 0</a:t>
-            </a:r>
+              <a:t>, Magia)</a:t>
+            </a:r>
+          </a:p>
+          <a:p>
             <a:endParaRPr lang="pt-BR" dirty="0"/>
           </a:p>
+          <a:p>
+            <a:r>
+              <a:rPr lang="pt-BR" dirty="0" smtClean="0"/>
+              <a:t>2 Arquivos sem classe( </a:t>
+            </a:r>
+            <a:r>
+              <a:rPr lang="pt-BR" dirty="0" err="1" smtClean="0"/>
+              <a:t>includer.h</a:t>
+            </a:r>
+            <a:r>
+              <a:rPr lang="pt-BR" dirty="0" smtClean="0"/>
+              <a:t> e main.cpp)</a:t>
+            </a:r>
+            <a:endParaRPr lang="pt-BR" dirty="0"/>
+          </a:p>
         </p:txBody>
       </p:sp>
     </p:spTree>
+    <p:extLst>
+      <p:ext uri="{BB962C8B-B14F-4D97-AF65-F5344CB8AC3E}">
+        <p14:creationId xmlns:p14="http://schemas.microsoft.com/office/powerpoint/2010/main" val="1113200242"/>
+      </p:ext>
+    </p:extLst>
   </p:cSld>
   <p:clrMapOvr>
     <a:masterClrMapping/>
@@ -5104,37 +5562,280 @@
           <a:lstStyle/>
           <a:p>
             <a:r>
+              <a:rPr lang="pt-BR" dirty="0"/>
+              <a:t>Classes </a:t>
+            </a:r>
+            <a:r>
               <a:rPr lang="pt-BR" dirty="0" smtClean="0"/>
-              <a:t>Classe Elemento (Pré-Projeto)</a:t>
+              <a:t>(ver. Final)</a:t>
             </a:r>
             <a:endParaRPr lang="pt-BR" dirty="0"/>
           </a:p>
         </p:txBody>
       </p:sp>
-      <p:pic>
-        <p:nvPicPr>
-          <p:cNvPr id="11" name="Espaço Reservado para Conteúdo 10" descr="03.PNG"/>
-          <p:cNvPicPr>
-            <a:picLocks noGrp="1" noChangeAspect="1"/>
-          </p:cNvPicPr>
-          <p:nvPr>
-            <p:ph idx="1"/>
-          </p:nvPr>
-        </p:nvPicPr>
-        <p:blipFill>
-          <a:blip r:embed="rId2"/>
-          <a:stretch>
-            <a:fillRect/>
-          </a:stretch>
-        </p:blipFill>
-        <p:spPr>
-          <a:xfrm>
-            <a:off x="1643042" y="1214422"/>
-            <a:ext cx="5729488" cy="3071834"/>
-          </a:xfrm>
-        </p:spPr>
-      </p:pic>
+      <p:sp>
+        <p:nvSpPr>
+          <p:cNvPr id="3" name="Espaço Reservado para Conteúdo 2"/>
+          <p:cNvSpPr>
+            <a:spLocks noGrp="1"/>
+          </p:cNvSpPr>
+          <p:nvPr>
+            <p:ph sz="half" idx="1"/>
+          </p:nvPr>
+        </p:nvSpPr>
+        <p:spPr/>
+        <p:txBody>
+          <a:bodyPr>
+            <a:normAutofit fontScale="62500" lnSpcReduction="20000"/>
+          </a:bodyPr>
+          <a:lstStyle/>
+          <a:p>
+            <a:r>
+              <a:rPr lang="pt-BR" dirty="0" err="1" smtClean="0"/>
+              <a:t>Heroi</a:t>
+            </a:r>
+            <a:endParaRPr lang="pt-BR" dirty="0" smtClean="0"/>
+          </a:p>
+          <a:p>
+            <a:r>
+              <a:rPr lang="pt-BR" dirty="0" smtClean="0"/>
+              <a:t>Monstro</a:t>
+            </a:r>
+          </a:p>
+          <a:p>
+            <a:r>
+              <a:rPr lang="pt-BR" dirty="0" smtClean="0"/>
+              <a:t>Item</a:t>
+            </a:r>
+          </a:p>
+          <a:p>
+            <a:r>
+              <a:rPr lang="pt-BR" dirty="0" smtClean="0"/>
+              <a:t>Equipamento</a:t>
+            </a:r>
+          </a:p>
+          <a:p>
+            <a:r>
+              <a:rPr lang="pt-BR" dirty="0" smtClean="0"/>
+              <a:t>Arma</a:t>
+            </a:r>
+          </a:p>
+          <a:p>
+            <a:r>
+              <a:rPr lang="pt-BR" dirty="0" smtClean="0"/>
+              <a:t>Armadura</a:t>
+            </a:r>
+          </a:p>
+          <a:p>
+            <a:r>
+              <a:rPr lang="pt-BR" dirty="0" err="1" smtClean="0"/>
+              <a:t>Acessorio</a:t>
+            </a:r>
+            <a:endParaRPr lang="pt-BR" dirty="0" smtClean="0"/>
+          </a:p>
+          <a:p>
+            <a:r>
+              <a:rPr lang="pt-BR" dirty="0" smtClean="0"/>
+              <a:t>Magia</a:t>
+            </a:r>
+          </a:p>
+          <a:p>
+            <a:r>
+              <a:rPr lang="pt-BR" dirty="0" smtClean="0"/>
+              <a:t>Cidade</a:t>
+            </a:r>
+          </a:p>
+          <a:p>
+            <a:r>
+              <a:rPr lang="pt-BR" dirty="0" err="1" smtClean="0"/>
+              <a:t>Dungeon</a:t>
+            </a:r>
+            <a:endParaRPr lang="pt-BR" dirty="0" smtClean="0"/>
+          </a:p>
+          <a:p>
+            <a:endParaRPr lang="pt-BR" dirty="0"/>
+          </a:p>
+          <a:p>
+            <a:endParaRPr lang="pt-BR" dirty="0" smtClean="0"/>
+          </a:p>
+          <a:p>
+            <a:endParaRPr lang="pt-BR" dirty="0"/>
+          </a:p>
+          <a:p>
+            <a:endParaRPr lang="pt-BR" dirty="0" smtClean="0"/>
+          </a:p>
+          <a:p>
+            <a:endParaRPr lang="pt-BR" dirty="0" smtClean="0"/>
+          </a:p>
+          <a:p>
+            <a:endParaRPr lang="pt-BR" dirty="0" smtClean="0"/>
+          </a:p>
+          <a:p>
+            <a:pPr algn="ctr"/>
+            <a:r>
+              <a:rPr lang="pt-BR" dirty="0" smtClean="0">
+                <a:solidFill>
+                  <a:schemeClr val="accent1">
+                    <a:lumMod val="75000"/>
+                  </a:schemeClr>
+                </a:solidFill>
+              </a:rPr>
+              <a:t>Abstratas</a:t>
+            </a:r>
+            <a:endParaRPr lang="pt-BR" dirty="0">
+              <a:solidFill>
+                <a:schemeClr val="accent1">
+                  <a:lumMod val="75000"/>
+                </a:schemeClr>
+              </a:solidFill>
+            </a:endParaRPr>
+          </a:p>
+        </p:txBody>
+      </p:sp>
+      <p:sp>
+        <p:nvSpPr>
+          <p:cNvPr id="4" name="Espaço Reservado para Conteúdo 3"/>
+          <p:cNvSpPr>
+            <a:spLocks noGrp="1"/>
+          </p:cNvSpPr>
+          <p:nvPr>
+            <p:ph sz="half" idx="2"/>
+          </p:nvPr>
+        </p:nvSpPr>
+        <p:spPr/>
+        <p:txBody>
+          <a:bodyPr>
+            <a:normAutofit fontScale="62500" lnSpcReduction="20000"/>
+          </a:bodyPr>
+          <a:lstStyle/>
+          <a:p>
+            <a:r>
+              <a:rPr lang="pt-BR" dirty="0" smtClean="0"/>
+              <a:t>Mago</a:t>
+            </a:r>
+          </a:p>
+          <a:p>
+            <a:r>
+              <a:rPr lang="pt-BR" dirty="0" smtClean="0"/>
+              <a:t>Ladino</a:t>
+            </a:r>
+          </a:p>
+          <a:p>
+            <a:r>
+              <a:rPr lang="pt-BR" dirty="0" smtClean="0"/>
+              <a:t>Guerreiro</a:t>
+            </a:r>
+          </a:p>
+          <a:p>
+            <a:r>
+              <a:rPr lang="pt-BR" dirty="0" err="1" smtClean="0"/>
+              <a:t>Kuraudo</a:t>
+            </a:r>
+            <a:endParaRPr lang="pt-BR" dirty="0" smtClean="0"/>
+          </a:p>
+          <a:p>
+            <a:r>
+              <a:rPr lang="pt-BR" dirty="0" err="1" smtClean="0"/>
+              <a:t>Camtasia</a:t>
+            </a:r>
+            <a:endParaRPr lang="pt-BR" dirty="0" smtClean="0"/>
+          </a:p>
+          <a:p>
+            <a:r>
+              <a:rPr lang="pt-BR" dirty="0" err="1" smtClean="0"/>
+              <a:t>Kuraudo_Mirrors</a:t>
+            </a:r>
+            <a:endParaRPr lang="pt-BR" dirty="0" smtClean="0"/>
+          </a:p>
+          <a:p>
+            <a:r>
+              <a:rPr lang="pt-BR" dirty="0" smtClean="0"/>
+              <a:t>Faca</a:t>
+            </a:r>
+          </a:p>
+          <a:p>
+            <a:r>
+              <a:rPr lang="pt-BR" dirty="0" smtClean="0"/>
+              <a:t>Espada</a:t>
+            </a:r>
+          </a:p>
+          <a:p>
+            <a:r>
+              <a:rPr lang="pt-BR" dirty="0" smtClean="0"/>
+              <a:t>Cajado</a:t>
+            </a:r>
+          </a:p>
+          <a:p>
+            <a:r>
+              <a:rPr lang="pt-BR" dirty="0" err="1" smtClean="0"/>
+              <a:t>Roupas_Leves</a:t>
+            </a:r>
+            <a:endParaRPr lang="pt-BR" dirty="0" smtClean="0"/>
+          </a:p>
+          <a:p>
+            <a:r>
+              <a:rPr lang="pt-BR" dirty="0" err="1" smtClean="0"/>
+              <a:t>Sepolopolis</a:t>
+            </a:r>
+            <a:endParaRPr lang="pt-BR" dirty="0" smtClean="0"/>
+          </a:p>
+          <a:p>
+            <a:r>
+              <a:rPr lang="pt-BR" dirty="0" err="1" smtClean="0"/>
+              <a:t>Caverna_Monstro</a:t>
+            </a:r>
+            <a:endParaRPr lang="pt-BR" dirty="0" smtClean="0"/>
+          </a:p>
+          <a:p>
+            <a:r>
+              <a:rPr lang="pt-BR" dirty="0" err="1" smtClean="0"/>
+              <a:t>Trovao</a:t>
+            </a:r>
+            <a:endParaRPr lang="pt-BR" dirty="0" smtClean="0"/>
+          </a:p>
+          <a:p>
+            <a:r>
+              <a:rPr lang="pt-BR" dirty="0" smtClean="0"/>
+              <a:t>Anel</a:t>
+            </a:r>
+          </a:p>
+          <a:p>
+            <a:r>
+              <a:rPr lang="pt-BR" dirty="0" smtClean="0"/>
+              <a:t>Grupo</a:t>
+            </a:r>
+          </a:p>
+          <a:p>
+            <a:endParaRPr lang="pt-BR" dirty="0"/>
+          </a:p>
+          <a:p>
+            <a:pPr algn="ctr"/>
+            <a:r>
+              <a:rPr lang="pt-BR" dirty="0" smtClean="0">
+                <a:solidFill>
+                  <a:schemeClr val="accent1">
+                    <a:lumMod val="75000"/>
+                  </a:schemeClr>
+                </a:solidFill>
+              </a:rPr>
+              <a:t>Concretas</a:t>
+            </a:r>
+            <a:endParaRPr lang="pt-BR" dirty="0">
+              <a:solidFill>
+                <a:schemeClr val="accent1">
+                  <a:lumMod val="75000"/>
+                </a:schemeClr>
+              </a:solidFill>
+            </a:endParaRPr>
+          </a:p>
+        </p:txBody>
+      </p:sp>
     </p:spTree>
+    <p:extLst>
+      <p:ext uri="{BB962C8B-B14F-4D97-AF65-F5344CB8AC3E}">
+        <p14:creationId xmlns:p14="http://schemas.microsoft.com/office/powerpoint/2010/main" val="3951977351"/>
+      </p:ext>
+    </p:extLst>
   </p:cSld>
   <p:clrMapOvr>
     <a:masterClrMapping/>
@@ -5178,82 +5879,78 @@
         </p:nvSpPr>
         <p:spPr/>
         <p:txBody>
-          <a:bodyPr>
-            <a:normAutofit/>
-          </a:bodyPr>
-          <a:lstStyle/>
-          <a:p>
-            <a:r>
-              <a:rPr lang="pt-BR" dirty="0" smtClean="0"/>
-              <a:t>Classe Elemento(Projeto Final)</a:t>
-            </a:r>
-            <a:endParaRPr lang="pt-BR" dirty="0"/>
-          </a:p>
-        </p:txBody>
-      </p:sp>
-      <p:sp>
-        <p:nvSpPr>
-          <p:cNvPr id="11" name="Espaço Reservado para Conteúdo 10"/>
-          <p:cNvSpPr>
-            <a:spLocks noGrp="1"/>
-          </p:cNvSpPr>
-          <p:nvPr>
-            <p:ph idx="1"/>
-          </p:nvPr>
-        </p:nvSpPr>
-        <p:spPr/>
-        <p:txBody>
           <a:bodyPr/>
           <a:lstStyle/>
           <a:p>
             <a:r>
               <a:rPr lang="pt-BR" dirty="0" smtClean="0"/>
-              <a:t>A Classe elemento foi eliminada do projeto, com os elementos sendo definidos ao elemento sendo realizadas</a:t>
-            </a:r>
-          </a:p>
+              <a:t>Classes (ver. Final)</a:t>
+            </a:r>
+            <a:endParaRPr lang="pt-BR" dirty="0"/>
+          </a:p>
+        </p:txBody>
+      </p:sp>
+      <p:sp>
+        <p:nvSpPr>
+          <p:cNvPr id="3" name="Espaço Reservado para Conteúdo 2"/>
+          <p:cNvSpPr>
+            <a:spLocks noGrp="1"/>
+          </p:cNvSpPr>
+          <p:nvPr>
+            <p:ph idx="1"/>
+          </p:nvPr>
+        </p:nvSpPr>
+        <p:spPr/>
+        <p:txBody>
+          <a:bodyPr/>
+          <a:lstStyle/>
           <a:p>
             <a:endParaRPr lang="pt-BR" dirty="0" smtClean="0"/>
           </a:p>
           <a:p>
             <a:r>
               <a:rPr lang="pt-BR" dirty="0" smtClean="0"/>
-              <a:t>Ex: Sem o equipamento, as string acabam por ser </a:t>
+              <a:t>Cidade: Cidade aonde o herói pode visitar. </a:t>
+            </a:r>
+            <a:r>
+              <a:rPr lang="pt-BR" dirty="0"/>
+              <a:t>Possui um vendedor e moradores.</a:t>
+            </a:r>
+          </a:p>
+          <a:p>
+            <a:endParaRPr lang="pt-BR" dirty="0"/>
+          </a:p>
+          <a:p>
+            <a:endParaRPr lang="pt-BR" dirty="0" smtClean="0"/>
+          </a:p>
+          <a:p>
+            <a:r>
+              <a:rPr lang="pt-BR" dirty="0" err="1" smtClean="0"/>
+              <a:t>Dungeon</a:t>
             </a:r>
             <a:r>
               <a:rPr lang="pt-BR" dirty="0" smtClean="0"/>
-              <a:t>representadas </a:t>
-            </a:r>
-            <a:r>
-              <a:rPr lang="pt-BR" dirty="0" smtClean="0"/>
-              <a:t>como </a:t>
-            </a:r>
-            <a:r>
-              <a:rPr lang="pt-BR" dirty="0" smtClean="0"/>
-              <a:t>strings. </a:t>
-            </a:r>
-            <a:r>
-              <a:rPr lang="pt-BR" dirty="0" smtClean="0"/>
-              <a:t>Ex:</a:t>
-            </a:r>
-          </a:p>
-          <a:p>
-            <a:r>
-              <a:rPr lang="pt-BR" dirty="0" smtClean="0"/>
-              <a:t>O tipo trovão será um atributo string com “</a:t>
-            </a:r>
-            <a:r>
-              <a:rPr lang="pt-BR" dirty="0" err="1" smtClean="0"/>
-              <a:t>Trovao</a:t>
-            </a:r>
-            <a:r>
-              <a:rPr lang="pt-BR" dirty="0" smtClean="0"/>
-              <a:t>” no nome.</a:t>
+              <a:t>: Lugar hostil ao jogador. Podem ocorrer batalhas aleatórias.</a:t>
             </a:r>
             <a:endParaRPr lang="pt-BR" dirty="0"/>
           </a:p>
+          <a:p>
+            <a:endParaRPr lang="pt-BR" dirty="0" smtClean="0"/>
+          </a:p>
+          <a:p>
+            <a:pPr marL="0" indent="0">
+              <a:buNone/>
+            </a:pPr>
+            <a:endParaRPr lang="pt-BR" dirty="0"/>
+          </a:p>
         </p:txBody>
       </p:sp>
     </p:spTree>
+    <p:extLst>
+      <p:ext uri="{BB962C8B-B14F-4D97-AF65-F5344CB8AC3E}">
+        <p14:creationId xmlns:p14="http://schemas.microsoft.com/office/powerpoint/2010/main" val="1556873422"/>
+      </p:ext>
+    </p:extLst>
   </p:cSld>
   <p:clrMapOvr>
     <a:masterClrMapping/>
@@ -5302,84 +5999,78 @@
           <a:p>
             <a:r>
               <a:rPr lang="pt-BR" dirty="0" smtClean="0"/>
-              <a:t>Pacote Utilitários</a:t>
+              <a:t>Classes (ver. Final)</a:t>
             </a:r>
             <a:endParaRPr lang="pt-BR" dirty="0"/>
           </a:p>
         </p:txBody>
       </p:sp>
-      <p:pic>
-        <p:nvPicPr>
-          <p:cNvPr id="4" name="Espaço Reservado para Conteúdo 3" descr="04.PNG"/>
-          <p:cNvPicPr>
-            <a:picLocks noGrp="1" noChangeAspect="1"/>
-          </p:cNvPicPr>
+      <p:sp>
+        <p:nvSpPr>
+          <p:cNvPr id="3" name="Espaço Reservado para Conteúdo 2"/>
+          <p:cNvSpPr>
+            <a:spLocks noGrp="1"/>
+          </p:cNvSpPr>
           <p:nvPr>
             <p:ph idx="1"/>
           </p:nvPr>
-        </p:nvPicPr>
-        <p:blipFill>
-          <a:blip r:embed="rId2"/>
-          <a:stretch>
-            <a:fillRect/>
-          </a:stretch>
-        </p:blipFill>
-        <p:spPr>
-          <a:xfrm>
-            <a:off x="2786050" y="714356"/>
-            <a:ext cx="2928958" cy="2359438"/>
-          </a:xfrm>
-        </p:spPr>
-      </p:pic>
-      <p:sp>
-        <p:nvSpPr>
-          <p:cNvPr id="5" name="CaixaDeTexto 4"/>
-          <p:cNvSpPr txBox="1"/>
-          <p:nvPr/>
-        </p:nvSpPr>
-        <p:spPr>
-          <a:xfrm>
-            <a:off x="1071538" y="3429000"/>
-            <a:ext cx="6912790" cy="646331"/>
-          </a:xfrm>
-          <a:prstGeom prst="rect">
-            <a:avLst/>
-          </a:prstGeom>
-          <a:noFill/>
-        </p:spPr>
-        <p:txBody>
-          <a:bodyPr wrap="none" rtlCol="0">
-            <a:spAutoFit/>
-          </a:bodyPr>
+        </p:nvSpPr>
+        <p:spPr/>
+        <p:txBody>
+          <a:bodyPr/>
           <a:lstStyle/>
           <a:p>
+            <a:endParaRPr lang="pt-BR" dirty="0" smtClean="0"/>
+          </a:p>
+          <a:p>
+            <a:r>
+              <a:rPr lang="pt-BR" dirty="0" err="1" smtClean="0"/>
+              <a:t>Includer.h</a:t>
+            </a:r>
             <a:r>
               <a:rPr lang="pt-BR" dirty="0" smtClean="0"/>
-              <a:t>Classe </a:t>
+              <a:t>: Serve pra incluir todos os </a:t>
             </a:r>
             <a:r>
               <a:rPr lang="pt-BR" dirty="0" err="1" smtClean="0"/>
-              <a:t>Includer</a:t>
+              <a:t>headers</a:t>
             </a:r>
             <a:r>
               <a:rPr lang="pt-BR" dirty="0" smtClean="0"/>
-              <a:t>: Responsável por adicionar as bibliotecas </a:t>
-            </a:r>
-          </a:p>
-          <a:p>
-            <a:r>
-              <a:rPr lang="pt-BR" smtClean="0"/>
-              <a:t>de outras classes </a:t>
-            </a:r>
+              <a:t> que serão utilizados no main.cpp, tornando o código mais limpo</a:t>
+            </a:r>
+          </a:p>
+          <a:p>
             <a:endParaRPr lang="pt-BR" dirty="0"/>
           </a:p>
+          <a:p>
+            <a:r>
+              <a:rPr lang="pt-BR" dirty="0" smtClean="0"/>
+              <a:t>Main.cpp: Arquivo principal do programa.</a:t>
+            </a:r>
+          </a:p>
+          <a:p>
+            <a:endParaRPr lang="pt-BR" dirty="0"/>
+          </a:p>
         </p:txBody>
       </p:sp>
     </p:spTree>
+    <p:extLst>
+      <p:ext uri="{BB962C8B-B14F-4D97-AF65-F5344CB8AC3E}">
+        <p14:creationId xmlns:p14="http://schemas.microsoft.com/office/powerpoint/2010/main" val="1796700099"/>
+      </p:ext>
+    </p:extLst>
   </p:cSld>
   <p:clrMapOvr>
     <a:masterClrMapping/>
   </p:clrMapOvr>
+  <p:timing>
+    <p:tnLst>
+      <p:par>
+        <p:cTn id="1" dur="indefinite" restart="never" nodeType="tmRoot"/>
+      </p:par>
+    </p:tnLst>
+  </p:timing>
 </p:sld>
 </file>
 
